--- a/slides/Week1b - Git.pptx
+++ b/slides/Week1b - Git.pptx
@@ -5,7 +5,7 @@
     <p:sldMasterId id="2147483648" r:id="rId1"/>
   </p:sldMasterIdLst>
   <p:notesMasterIdLst>
-    <p:notesMasterId r:id="rId30"/>
+    <p:notesMasterId r:id="rId27"/>
   </p:notesMasterIdLst>
   <p:sldIdLst>
     <p:sldId id="256" r:id="rId2"/>
@@ -32,10 +32,7 @@
     <p:sldId id="274" r:id="rId23"/>
     <p:sldId id="279" r:id="rId24"/>
     <p:sldId id="281" r:id="rId25"/>
-    <p:sldId id="275" r:id="rId26"/>
-    <p:sldId id="276" r:id="rId27"/>
-    <p:sldId id="277" r:id="rId28"/>
-    <p:sldId id="285" r:id="rId29"/>
+    <p:sldId id="285" r:id="rId26"/>
   </p:sldIdLst>
   <p:sldSz cx="9363075" cy="5257800"/>
   <p:notesSz cx="6858000" cy="9144000"/>
@@ -679,218 +676,6 @@
 
 <file path=ppt/slideLayouts/slideLayout10.xml><?xml version="1.0" encoding="utf-8"?>
 <p:sldLayout xmlns:a="http://schemas.openxmlformats.org/drawingml/2006/main" xmlns:r="http://schemas.openxmlformats.org/officeDocument/2006/relationships" xmlns:p="http://schemas.openxmlformats.org/presentationml/2006/main" showMasterSp="0" type="tx">
-  <p:cSld name="7_Agenda">
-    <p:bg>
-      <p:bgPr>
-        <a:solidFill>
-          <a:srgbClr val="FFFFFF"/>
-        </a:solidFill>
-        <a:effectLst/>
-      </p:bgPr>
-    </p:bg>
-    <p:spTree>
-      <p:nvGrpSpPr>
-        <p:cNvPr id="1" name=""/>
-        <p:cNvGrpSpPr/>
-        <p:nvPr/>
-      </p:nvGrpSpPr>
-      <p:grpSpPr>
-        <a:xfrm>
-          <a:off x="0" y="0"/>
-          <a:ext cx="0" cy="0"/>
-          <a:chOff x="0" y="0"/>
-          <a:chExt cx="0" cy="0"/>
-        </a:xfrm>
-      </p:grpSpPr>
-      <p:sp>
-        <p:nvSpPr>
-          <p:cNvPr id="116" name="Shape 116"/>
-          <p:cNvSpPr/>
-          <p:nvPr/>
-        </p:nvSpPr>
-        <p:spPr>
-          <a:xfrm>
-            <a:off x="457200" y="487362"/>
-            <a:ext cx="8448675" cy="1588"/>
-          </a:xfrm>
-          <a:prstGeom prst="line">
-            <a:avLst/>
-          </a:prstGeom>
-          <a:ln w="6350">
-            <a:solidFill>
-              <a:srgbClr val="000000"/>
-            </a:solidFill>
-            <a:miter lim="400000"/>
-          </a:ln>
-        </p:spPr>
-        <p:txBody>
-          <a:bodyPr lIns="0" tIns="0" rIns="0" bIns="0"/>
-          <a:lstStyle/>
-          <a:p>
-            <a:pPr algn="l" defTabSz="457200">
-              <a:defRPr sz="1200" b="0">
-                <a:uFillTx/>
-              </a:defRPr>
-            </a:pPr>
-            <a:endParaRPr dirty="0">
-              <a:latin typeface="Garamond" panose="02020404030301010803" pitchFamily="18" charset="0"/>
-            </a:endParaRPr>
-          </a:p>
-        </p:txBody>
-      </p:sp>
-      <p:sp>
-        <p:nvSpPr>
-          <p:cNvPr id="117" name="Shape 117"/>
-          <p:cNvSpPr/>
-          <p:nvPr/>
-        </p:nvSpPr>
-        <p:spPr>
-          <a:xfrm>
-            <a:off x="457200" y="908050"/>
-            <a:ext cx="8448675" cy="1588"/>
-          </a:xfrm>
-          <a:prstGeom prst="line">
-            <a:avLst/>
-          </a:prstGeom>
-          <a:ln w="6350">
-            <a:solidFill>
-              <a:srgbClr val="000000"/>
-            </a:solidFill>
-            <a:miter lim="400000"/>
-          </a:ln>
-        </p:spPr>
-        <p:txBody>
-          <a:bodyPr lIns="0" tIns="0" rIns="0" bIns="0"/>
-          <a:lstStyle/>
-          <a:p>
-            <a:pPr algn="l" defTabSz="457200">
-              <a:defRPr sz="1200" b="0">
-                <a:uFillTx/>
-              </a:defRPr>
-            </a:pPr>
-            <a:endParaRPr dirty="0">
-              <a:latin typeface="Garamond" panose="02020404030301010803" pitchFamily="18" charset="0"/>
-            </a:endParaRPr>
-          </a:p>
-        </p:txBody>
-      </p:sp>
-      <p:sp>
-        <p:nvSpPr>
-          <p:cNvPr id="118" name="Shape 118"/>
-          <p:cNvSpPr/>
-          <p:nvPr/>
-        </p:nvSpPr>
-        <p:spPr>
-          <a:xfrm flipH="1">
-            <a:off x="6169025" y="2082800"/>
-            <a:ext cx="2703513" cy="1588"/>
-          </a:xfrm>
-          <a:prstGeom prst="line">
-            <a:avLst/>
-          </a:prstGeom>
-          <a:ln w="6350">
-            <a:solidFill>
-              <a:srgbClr val="000000"/>
-            </a:solidFill>
-          </a:ln>
-        </p:spPr>
-        <p:txBody>
-          <a:bodyPr lIns="0" tIns="0" rIns="0" bIns="0"/>
-          <a:lstStyle/>
-          <a:p>
-            <a:pPr algn="l" defTabSz="457200">
-              <a:defRPr sz="1200" b="0">
-                <a:uFillTx/>
-              </a:defRPr>
-            </a:pPr>
-            <a:endParaRPr dirty="0">
-              <a:latin typeface="Garamond" panose="02020404030301010803" pitchFamily="18" charset="0"/>
-            </a:endParaRPr>
-          </a:p>
-        </p:txBody>
-      </p:sp>
-      <p:sp>
-        <p:nvSpPr>
-          <p:cNvPr id="119" name="Shape 119"/>
-          <p:cNvSpPr/>
-          <p:nvPr/>
-        </p:nvSpPr>
-        <p:spPr>
-          <a:xfrm>
-            <a:off x="476250" y="2082800"/>
-            <a:ext cx="5500688" cy="1588"/>
-          </a:xfrm>
-          <a:prstGeom prst="line">
-            <a:avLst/>
-          </a:prstGeom>
-          <a:ln w="6350">
-            <a:solidFill>
-              <a:srgbClr val="000000"/>
-            </a:solidFill>
-          </a:ln>
-        </p:spPr>
-        <p:txBody>
-          <a:bodyPr lIns="0" tIns="0" rIns="0" bIns="0"/>
-          <a:lstStyle/>
-          <a:p>
-            <a:pPr algn="l" defTabSz="457200">
-              <a:defRPr sz="1200" b="0">
-                <a:uFillTx/>
-              </a:defRPr>
-            </a:pPr>
-            <a:endParaRPr dirty="0">
-              <a:latin typeface="Garamond" panose="02020404030301010803" pitchFamily="18" charset="0"/>
-            </a:endParaRPr>
-          </a:p>
-        </p:txBody>
-      </p:sp>
-      <p:sp>
-        <p:nvSpPr>
-          <p:cNvPr id="120" name="Shape 120"/>
-          <p:cNvSpPr>
-            <a:spLocks noGrp="1"/>
-          </p:cNvSpPr>
-          <p:nvPr>
-            <p:ph type="sldNum" sz="quarter" idx="2"/>
-          </p:nvPr>
-        </p:nvSpPr>
-        <p:spPr>
-          <a:xfrm>
-            <a:off x="8595347" y="508829"/>
-            <a:ext cx="363882" cy="353943"/>
-          </a:xfrm>
-          <a:prstGeom prst="rect">
-            <a:avLst/>
-          </a:prstGeom>
-        </p:spPr>
-        <p:txBody>
-          <a:bodyPr lIns="0" tIns="0" rIns="0" bIns="0" anchor="ctr"/>
-          <a:lstStyle>
-            <a:lvl1pPr>
-              <a:defRPr/>
-            </a:lvl1pPr>
-          </a:lstStyle>
-          <a:p>
-            <a:fld id="{86CB4B4D-7CA3-9044-876B-883B54F8677D}" type="slidenum">
-              <a:rPr lang="en-US" smtClean="0"/>
-              <a:pPr/>
-              <a:t>‹#›</a:t>
-            </a:fld>
-            <a:endParaRPr lang="en-US" dirty="0"/>
-          </a:p>
-        </p:txBody>
-      </p:sp>
-    </p:spTree>
-  </p:cSld>
-  <p:clrMapOvr>
-    <a:masterClrMapping/>
-  </p:clrMapOvr>
-  <p:transition spd="med"/>
-</p:sldLayout>
-</file>
-
-<file path=ppt/slideLayouts/slideLayout11.xml><?xml version="1.0" encoding="utf-8"?>
-<p:sldLayout xmlns:a="http://schemas.openxmlformats.org/drawingml/2006/main" xmlns:r="http://schemas.openxmlformats.org/officeDocument/2006/relationships" xmlns:p="http://schemas.openxmlformats.org/presentationml/2006/main" showMasterSp="0" type="tx">
   <p:cSld name="Title &amp; Subtitle">
     <p:bg>
       <p:bgPr>
@@ -1152,76 +937,6 @@
 </file>
 
 <file path=ppt/slideLayouts/slideLayout2.xml><?xml version="1.0" encoding="utf-8"?>
-<p:sldLayout xmlns:a="http://schemas.openxmlformats.org/drawingml/2006/main" xmlns:r="http://schemas.openxmlformats.org/officeDocument/2006/relationships" xmlns:p="http://schemas.openxmlformats.org/presentationml/2006/main" showMasterSp="0" type="tx">
-  <p:cSld name="Agenda">
-    <p:bg>
-      <p:bgPr>
-        <a:solidFill>
-          <a:srgbClr val="FFFFFF"/>
-        </a:solidFill>
-        <a:effectLst/>
-      </p:bgPr>
-    </p:bg>
-    <p:spTree>
-      <p:nvGrpSpPr>
-        <p:cNvPr id="1" name=""/>
-        <p:cNvGrpSpPr/>
-        <p:nvPr/>
-      </p:nvGrpSpPr>
-      <p:grpSpPr>
-        <a:xfrm>
-          <a:off x="0" y="0"/>
-          <a:ext cx="0" cy="0"/>
-          <a:chOff x="0" y="0"/>
-          <a:chExt cx="0" cy="0"/>
-        </a:xfrm>
-      </p:grpSpPr>
-      <p:sp>
-        <p:nvSpPr>
-          <p:cNvPr id="20" name="Shape 20"/>
-          <p:cNvSpPr>
-            <a:spLocks noGrp="1"/>
-          </p:cNvSpPr>
-          <p:nvPr>
-            <p:ph type="sldNum" sz="quarter" idx="2"/>
-          </p:nvPr>
-        </p:nvSpPr>
-        <p:spPr>
-          <a:xfrm>
-            <a:off x="8595347" y="508829"/>
-            <a:ext cx="363882" cy="353943"/>
-          </a:xfrm>
-          <a:prstGeom prst="rect">
-            <a:avLst/>
-          </a:prstGeom>
-        </p:spPr>
-        <p:txBody>
-          <a:bodyPr lIns="0" tIns="0" rIns="0" bIns="0" anchor="ctr"/>
-          <a:lstStyle>
-            <a:lvl1pPr>
-              <a:defRPr/>
-            </a:lvl1pPr>
-          </a:lstStyle>
-          <a:p>
-            <a:fld id="{86CB4B4D-7CA3-9044-876B-883B54F8677D}" type="slidenum">
-              <a:rPr lang="en-US" smtClean="0"/>
-              <a:pPr/>
-              <a:t>‹#›</a:t>
-            </a:fld>
-            <a:endParaRPr lang="en-US" dirty="0"/>
-          </a:p>
-        </p:txBody>
-      </p:sp>
-    </p:spTree>
-  </p:cSld>
-  <p:clrMapOvr>
-    <a:masterClrMapping/>
-  </p:clrMapOvr>
-  <p:transition spd="med"/>
-</p:sldLayout>
-</file>
-
-<file path=ppt/slideLayouts/slideLayout3.xml><?xml version="1.0" encoding="utf-8"?>
 <p:sldLayout xmlns:a="http://schemas.openxmlformats.org/drawingml/2006/main" xmlns:r="http://schemas.openxmlformats.org/officeDocument/2006/relationships" xmlns:p="http://schemas.openxmlformats.org/presentationml/2006/main" type="tx">
   <p:cSld name="1_Title">
     <p:spTree>
@@ -1308,7 +1023,7 @@
 </p:sldLayout>
 </file>
 
-<file path=ppt/slideLayouts/slideLayout4.xml><?xml version="1.0" encoding="utf-8"?>
+<file path=ppt/slideLayouts/slideLayout3.xml><?xml version="1.0" encoding="utf-8"?>
 <p:sldLayout xmlns:a="http://schemas.openxmlformats.org/drawingml/2006/main" xmlns:r="http://schemas.openxmlformats.org/officeDocument/2006/relationships" xmlns:p="http://schemas.openxmlformats.org/presentationml/2006/main" type="tx">
   <p:cSld name="2_Title">
     <p:spTree>
@@ -1379,7 +1094,7 @@
 </p:sldLayout>
 </file>
 
-<file path=ppt/slideLayouts/slideLayout5.xml><?xml version="1.0" encoding="utf-8"?>
+<file path=ppt/slideLayouts/slideLayout4.xml><?xml version="1.0" encoding="utf-8"?>
 <p:sldLayout xmlns:a="http://schemas.openxmlformats.org/drawingml/2006/main" xmlns:r="http://schemas.openxmlformats.org/officeDocument/2006/relationships" xmlns:p="http://schemas.openxmlformats.org/presentationml/2006/main" showMasterSp="0" type="tx">
   <p:cSld name="1_Agenda">
     <p:bg>
@@ -1794,7 +1509,7 @@
 </p:sldLayout>
 </file>
 
-<file path=ppt/slideLayouts/slideLayout6.xml><?xml version="1.0" encoding="utf-8"?>
+<file path=ppt/slideLayouts/slideLayout5.xml><?xml version="1.0" encoding="utf-8"?>
 <p:sldLayout xmlns:a="http://schemas.openxmlformats.org/drawingml/2006/main" xmlns:r="http://schemas.openxmlformats.org/officeDocument/2006/relationships" xmlns:p="http://schemas.openxmlformats.org/presentationml/2006/main" showMasterSp="0" type="tx">
   <p:cSld name="3_Agenda">
     <p:bg>
@@ -2037,7 +1752,7 @@
 </p:sldLayout>
 </file>
 
-<file path=ppt/slideLayouts/slideLayout7.xml><?xml version="1.0" encoding="utf-8"?>
+<file path=ppt/slideLayouts/slideLayout6.xml><?xml version="1.0" encoding="utf-8"?>
 <p:sldLayout xmlns:a="http://schemas.openxmlformats.org/drawingml/2006/main" xmlns:r="http://schemas.openxmlformats.org/officeDocument/2006/relationships" xmlns:p="http://schemas.openxmlformats.org/presentationml/2006/main" showMasterSp="0" type="tx">
   <p:cSld name="4_Agenda">
     <p:bg>
@@ -2280,7 +1995,7 @@
 </p:sldLayout>
 </file>
 
-<file path=ppt/slideLayouts/slideLayout8.xml><?xml version="1.0" encoding="utf-8"?>
+<file path=ppt/slideLayouts/slideLayout7.xml><?xml version="1.0" encoding="utf-8"?>
 <p:sldLayout xmlns:a="http://schemas.openxmlformats.org/drawingml/2006/main" xmlns:r="http://schemas.openxmlformats.org/officeDocument/2006/relationships" xmlns:p="http://schemas.openxmlformats.org/presentationml/2006/main" showMasterSp="0" type="tx">
   <p:cSld name="5_Agenda">
     <p:bg>
@@ -2524,7 +2239,7 @@
 </p:sldLayout>
 </file>
 
-<file path=ppt/slideLayouts/slideLayout9.xml><?xml version="1.0" encoding="utf-8"?>
+<file path=ppt/slideLayouts/slideLayout8.xml><?xml version="1.0" encoding="utf-8"?>
 <p:sldLayout xmlns:a="http://schemas.openxmlformats.org/drawingml/2006/main" xmlns:r="http://schemas.openxmlformats.org/officeDocument/2006/relationships" xmlns:p="http://schemas.openxmlformats.org/presentationml/2006/main" showMasterSp="0" type="tx">
   <p:cSld name="6_Agenda">
     <p:bg>
@@ -2764,6 +2479,218 @@
       <p:sp>
         <p:nvSpPr>
           <p:cNvPr id="109" name="Shape 109"/>
+          <p:cNvSpPr>
+            <a:spLocks noGrp="1"/>
+          </p:cNvSpPr>
+          <p:nvPr>
+            <p:ph type="sldNum" sz="quarter" idx="2"/>
+          </p:nvPr>
+        </p:nvSpPr>
+        <p:spPr>
+          <a:xfrm>
+            <a:off x="8595347" y="508829"/>
+            <a:ext cx="363882" cy="353943"/>
+          </a:xfrm>
+          <a:prstGeom prst="rect">
+            <a:avLst/>
+          </a:prstGeom>
+        </p:spPr>
+        <p:txBody>
+          <a:bodyPr lIns="0" tIns="0" rIns="0" bIns="0" anchor="ctr"/>
+          <a:lstStyle>
+            <a:lvl1pPr>
+              <a:defRPr/>
+            </a:lvl1pPr>
+          </a:lstStyle>
+          <a:p>
+            <a:fld id="{86CB4B4D-7CA3-9044-876B-883B54F8677D}" type="slidenum">
+              <a:rPr lang="en-US" smtClean="0"/>
+              <a:pPr/>
+              <a:t>‹#›</a:t>
+            </a:fld>
+            <a:endParaRPr lang="en-US" dirty="0"/>
+          </a:p>
+        </p:txBody>
+      </p:sp>
+    </p:spTree>
+  </p:cSld>
+  <p:clrMapOvr>
+    <a:masterClrMapping/>
+  </p:clrMapOvr>
+  <p:transition spd="med"/>
+</p:sldLayout>
+</file>
+
+<file path=ppt/slideLayouts/slideLayout9.xml><?xml version="1.0" encoding="utf-8"?>
+<p:sldLayout xmlns:a="http://schemas.openxmlformats.org/drawingml/2006/main" xmlns:r="http://schemas.openxmlformats.org/officeDocument/2006/relationships" xmlns:p="http://schemas.openxmlformats.org/presentationml/2006/main" showMasterSp="0" type="tx">
+  <p:cSld name="7_Agenda">
+    <p:bg>
+      <p:bgPr>
+        <a:solidFill>
+          <a:srgbClr val="FFFFFF"/>
+        </a:solidFill>
+        <a:effectLst/>
+      </p:bgPr>
+    </p:bg>
+    <p:spTree>
+      <p:nvGrpSpPr>
+        <p:cNvPr id="1" name=""/>
+        <p:cNvGrpSpPr/>
+        <p:nvPr/>
+      </p:nvGrpSpPr>
+      <p:grpSpPr>
+        <a:xfrm>
+          <a:off x="0" y="0"/>
+          <a:ext cx="0" cy="0"/>
+          <a:chOff x="0" y="0"/>
+          <a:chExt cx="0" cy="0"/>
+        </a:xfrm>
+      </p:grpSpPr>
+      <p:sp>
+        <p:nvSpPr>
+          <p:cNvPr id="116" name="Shape 116"/>
+          <p:cNvSpPr/>
+          <p:nvPr/>
+        </p:nvSpPr>
+        <p:spPr>
+          <a:xfrm>
+            <a:off x="457200" y="487362"/>
+            <a:ext cx="8448675" cy="1588"/>
+          </a:xfrm>
+          <a:prstGeom prst="line">
+            <a:avLst/>
+          </a:prstGeom>
+          <a:ln w="6350">
+            <a:solidFill>
+              <a:srgbClr val="000000"/>
+            </a:solidFill>
+            <a:miter lim="400000"/>
+          </a:ln>
+        </p:spPr>
+        <p:txBody>
+          <a:bodyPr lIns="0" tIns="0" rIns="0" bIns="0"/>
+          <a:lstStyle/>
+          <a:p>
+            <a:pPr algn="l" defTabSz="457200">
+              <a:defRPr sz="1200" b="0">
+                <a:uFillTx/>
+              </a:defRPr>
+            </a:pPr>
+            <a:endParaRPr dirty="0">
+              <a:latin typeface="Garamond" panose="02020404030301010803" pitchFamily="18" charset="0"/>
+            </a:endParaRPr>
+          </a:p>
+        </p:txBody>
+      </p:sp>
+      <p:sp>
+        <p:nvSpPr>
+          <p:cNvPr id="117" name="Shape 117"/>
+          <p:cNvSpPr/>
+          <p:nvPr/>
+        </p:nvSpPr>
+        <p:spPr>
+          <a:xfrm>
+            <a:off x="457200" y="908050"/>
+            <a:ext cx="8448675" cy="1588"/>
+          </a:xfrm>
+          <a:prstGeom prst="line">
+            <a:avLst/>
+          </a:prstGeom>
+          <a:ln w="6350">
+            <a:solidFill>
+              <a:srgbClr val="000000"/>
+            </a:solidFill>
+            <a:miter lim="400000"/>
+          </a:ln>
+        </p:spPr>
+        <p:txBody>
+          <a:bodyPr lIns="0" tIns="0" rIns="0" bIns="0"/>
+          <a:lstStyle/>
+          <a:p>
+            <a:pPr algn="l" defTabSz="457200">
+              <a:defRPr sz="1200" b="0">
+                <a:uFillTx/>
+              </a:defRPr>
+            </a:pPr>
+            <a:endParaRPr dirty="0">
+              <a:latin typeface="Garamond" panose="02020404030301010803" pitchFamily="18" charset="0"/>
+            </a:endParaRPr>
+          </a:p>
+        </p:txBody>
+      </p:sp>
+      <p:sp>
+        <p:nvSpPr>
+          <p:cNvPr id="118" name="Shape 118"/>
+          <p:cNvSpPr/>
+          <p:nvPr/>
+        </p:nvSpPr>
+        <p:spPr>
+          <a:xfrm flipH="1">
+            <a:off x="6169025" y="2082800"/>
+            <a:ext cx="2703513" cy="1588"/>
+          </a:xfrm>
+          <a:prstGeom prst="line">
+            <a:avLst/>
+          </a:prstGeom>
+          <a:ln w="6350">
+            <a:solidFill>
+              <a:srgbClr val="000000"/>
+            </a:solidFill>
+          </a:ln>
+        </p:spPr>
+        <p:txBody>
+          <a:bodyPr lIns="0" tIns="0" rIns="0" bIns="0"/>
+          <a:lstStyle/>
+          <a:p>
+            <a:pPr algn="l" defTabSz="457200">
+              <a:defRPr sz="1200" b="0">
+                <a:uFillTx/>
+              </a:defRPr>
+            </a:pPr>
+            <a:endParaRPr dirty="0">
+              <a:latin typeface="Garamond" panose="02020404030301010803" pitchFamily="18" charset="0"/>
+            </a:endParaRPr>
+          </a:p>
+        </p:txBody>
+      </p:sp>
+      <p:sp>
+        <p:nvSpPr>
+          <p:cNvPr id="119" name="Shape 119"/>
+          <p:cNvSpPr/>
+          <p:nvPr/>
+        </p:nvSpPr>
+        <p:spPr>
+          <a:xfrm>
+            <a:off x="476250" y="2082800"/>
+            <a:ext cx="5500688" cy="1588"/>
+          </a:xfrm>
+          <a:prstGeom prst="line">
+            <a:avLst/>
+          </a:prstGeom>
+          <a:ln w="6350">
+            <a:solidFill>
+              <a:srgbClr val="000000"/>
+            </a:solidFill>
+          </a:ln>
+        </p:spPr>
+        <p:txBody>
+          <a:bodyPr lIns="0" tIns="0" rIns="0" bIns="0"/>
+          <a:lstStyle/>
+          <a:p>
+            <a:pPr algn="l" defTabSz="457200">
+              <a:defRPr sz="1200" b="0">
+                <a:uFillTx/>
+              </a:defRPr>
+            </a:pPr>
+            <a:endParaRPr dirty="0">
+              <a:latin typeface="Garamond" panose="02020404030301010803" pitchFamily="18" charset="0"/>
+            </a:endParaRPr>
+          </a:p>
+        </p:txBody>
+      </p:sp>
+      <p:sp>
+        <p:nvSpPr>
+          <p:cNvPr id="120" name="Shape 120"/>
           <p:cNvSpPr>
             <a:spLocks noGrp="1"/>
           </p:cNvSpPr>
@@ -2926,7 +2853,7 @@
           </a:ln>
           <a:extLst>
             <a:ext uri="{C572A759-6A51-4108-AA02-DFA0A04FC94B}">
-              <ma14:wrappingTextBoxFlag xmlns="" xmlns:ma14="http://schemas.microsoft.com/office/mac/drawingml/2011/main" val="1"/>
+              <ma14:wrappingTextBoxFlag xmlns:ma14="http://schemas.microsoft.com/office/mac/drawingml/2011/main" xmlns="" val="1"/>
             </a:ext>
           </a:extLst>
         </p:spPr>
@@ -2964,7 +2891,7 @@
           </a:ln>
           <a:extLst>
             <a:ext uri="{C572A759-6A51-4108-AA02-DFA0A04FC94B}">
-              <ma14:wrappingTextBoxFlag xmlns="" xmlns:ma14="http://schemas.microsoft.com/office/mac/drawingml/2011/main" val="1"/>
+              <ma14:wrappingTextBoxFlag xmlns:ma14="http://schemas.microsoft.com/office/mac/drawingml/2011/main" xmlns="" val="1"/>
             </a:ext>
           </a:extLst>
         </p:spPr>
@@ -3084,16 +3011,15 @@
   <p:clrMap bg1="lt1" tx1="dk1" bg2="lt2" tx2="dk2" accent1="accent1" accent2="accent2" accent3="accent3" accent4="accent4" accent5="accent5" accent6="accent6" hlink="hlink" folHlink="folHlink"/>
   <p:sldLayoutIdLst>
     <p:sldLayoutId id="2147483649" r:id="rId1"/>
-    <p:sldLayoutId id="2147483650" r:id="rId2"/>
-    <p:sldLayoutId id="2147483651" r:id="rId3"/>
-    <p:sldLayoutId id="2147483652" r:id="rId4"/>
-    <p:sldLayoutId id="2147483653" r:id="rId5"/>
-    <p:sldLayoutId id="2147483655" r:id="rId6"/>
-    <p:sldLayoutId id="2147483656" r:id="rId7"/>
-    <p:sldLayoutId id="2147483657" r:id="rId8"/>
-    <p:sldLayoutId id="2147483658" r:id="rId9"/>
-    <p:sldLayoutId id="2147483659" r:id="rId10"/>
-    <p:sldLayoutId id="2147483660" r:id="rId11"/>
+    <p:sldLayoutId id="2147483651" r:id="rId2"/>
+    <p:sldLayoutId id="2147483652" r:id="rId3"/>
+    <p:sldLayoutId id="2147483653" r:id="rId4"/>
+    <p:sldLayoutId id="2147483655" r:id="rId5"/>
+    <p:sldLayoutId id="2147483656" r:id="rId6"/>
+    <p:sldLayoutId id="2147483657" r:id="rId7"/>
+    <p:sldLayoutId id="2147483658" r:id="rId8"/>
+    <p:sldLayoutId id="2147483659" r:id="rId9"/>
+    <p:sldLayoutId id="2147483660" r:id="rId10"/>
   </p:sldLayoutIdLst>
   <p:transition spd="med"/>
   <p:txStyles>
@@ -4408,7 +4334,7 @@
           </a:prstGeom>
           <a:extLst>
             <a:ext uri="{C572A759-6A51-4108-AA02-DFA0A04FC94B}">
-              <ma14:wrappingTextBoxFlag xmlns="" xmlns:ma14="http://schemas.microsoft.com/office/mac/drawingml/2011/main" val="1"/>
+              <ma14:wrappingTextBoxFlag xmlns:ma14="http://schemas.microsoft.com/office/mac/drawingml/2011/main" xmlns="" val="1"/>
             </a:ext>
           </a:extLst>
         </p:spPr>
@@ -4710,7 +4636,7 @@
           </a:prstGeom>
           <a:extLst>
             <a:ext uri="{C572A759-6A51-4108-AA02-DFA0A04FC94B}">
-              <ma14:wrappingTextBoxFlag xmlns="" xmlns:ma14="http://schemas.microsoft.com/office/mac/drawingml/2011/main" val="1"/>
+              <ma14:wrappingTextBoxFlag xmlns:ma14="http://schemas.microsoft.com/office/mac/drawingml/2011/main" xmlns="" val="1"/>
             </a:ext>
           </a:extLst>
         </p:spPr>
@@ -5023,7 +4949,7 @@
           </a:prstGeom>
           <a:extLst>
             <a:ext uri="{C572A759-6A51-4108-AA02-DFA0A04FC94B}">
-              <ma14:wrappingTextBoxFlag xmlns="" xmlns:ma14="http://schemas.microsoft.com/office/mac/drawingml/2011/main" val="1"/>
+              <ma14:wrappingTextBoxFlag xmlns:ma14="http://schemas.microsoft.com/office/mac/drawingml/2011/main" xmlns="" val="1"/>
             </a:ext>
           </a:extLst>
         </p:spPr>
@@ -5458,7 +5384,7 @@
           </a:prstGeom>
           <a:extLst>
             <a:ext uri="{C572A759-6A51-4108-AA02-DFA0A04FC94B}">
-              <ma14:wrappingTextBoxFlag xmlns="" xmlns:ma14="http://schemas.microsoft.com/office/mac/drawingml/2011/main" val="1"/>
+              <ma14:wrappingTextBoxFlag xmlns:ma14="http://schemas.microsoft.com/office/mac/drawingml/2011/main" xmlns="" val="1"/>
             </a:ext>
           </a:extLst>
         </p:spPr>
@@ -6534,7 +6460,7 @@
           </a:prstGeom>
           <a:extLst>
             <a:ext uri="{C572A759-6A51-4108-AA02-DFA0A04FC94B}">
-              <ma14:wrappingTextBoxFlag xmlns="" xmlns:ma14="http://schemas.microsoft.com/office/mac/drawingml/2011/main" val="1"/>
+              <ma14:wrappingTextBoxFlag xmlns:ma14="http://schemas.microsoft.com/office/mac/drawingml/2011/main" xmlns="" val="1"/>
             </a:ext>
           </a:extLst>
         </p:spPr>
@@ -6900,7 +6826,7 @@
           </a:prstGeom>
           <a:extLst>
             <a:ext uri="{C572A759-6A51-4108-AA02-DFA0A04FC94B}">
-              <ma14:wrappingTextBoxFlag xmlns="" xmlns:ma14="http://schemas.microsoft.com/office/mac/drawingml/2011/main" val="1"/>
+              <ma14:wrappingTextBoxFlag xmlns:ma14="http://schemas.microsoft.com/office/mac/drawingml/2011/main" xmlns="" val="1"/>
             </a:ext>
           </a:extLst>
         </p:spPr>
@@ -7257,7 +7183,7 @@
           </a:prstGeom>
           <a:extLst>
             <a:ext uri="{C572A759-6A51-4108-AA02-DFA0A04FC94B}">
-              <ma14:wrappingTextBoxFlag xmlns="" xmlns:ma14="http://schemas.microsoft.com/office/mac/drawingml/2011/main" val="1"/>
+              <ma14:wrappingTextBoxFlag xmlns:ma14="http://schemas.microsoft.com/office/mac/drawingml/2011/main" xmlns="" val="1"/>
             </a:ext>
           </a:extLst>
         </p:spPr>
@@ -7633,7 +7559,7 @@
           </a:prstGeom>
           <a:extLst>
             <a:ext uri="{C572A759-6A51-4108-AA02-DFA0A04FC94B}">
-              <ma14:wrappingTextBoxFlag xmlns="" xmlns:ma14="http://schemas.microsoft.com/office/mac/drawingml/2011/main" val="1"/>
+              <ma14:wrappingTextBoxFlag xmlns:ma14="http://schemas.microsoft.com/office/mac/drawingml/2011/main" xmlns="" val="1"/>
             </a:ext>
           </a:extLst>
         </p:spPr>
@@ -7965,7 +7891,7 @@
           </a:prstGeom>
           <a:extLst>
             <a:ext uri="{C572A759-6A51-4108-AA02-DFA0A04FC94B}">
-              <ma14:wrappingTextBoxFlag xmlns="" xmlns:ma14="http://schemas.microsoft.com/office/mac/drawingml/2011/main" val="1"/>
+              <ma14:wrappingTextBoxFlag xmlns:ma14="http://schemas.microsoft.com/office/mac/drawingml/2011/main" xmlns="" val="1"/>
             </a:ext>
           </a:extLst>
         </p:spPr>
@@ -8269,7 +8195,7 @@
           </a:prstGeom>
           <a:extLst>
             <a:ext uri="{C572A759-6A51-4108-AA02-DFA0A04FC94B}">
-              <ma14:wrappingTextBoxFlag xmlns="" xmlns:ma14="http://schemas.microsoft.com/office/mac/drawingml/2011/main" val="1"/>
+              <ma14:wrappingTextBoxFlag xmlns:ma14="http://schemas.microsoft.com/office/mac/drawingml/2011/main" xmlns="" val="1"/>
             </a:ext>
           </a:extLst>
         </p:spPr>
@@ -8653,7 +8579,7 @@
           </a:prstGeom>
           <a:extLst>
             <a:ext uri="{C572A759-6A51-4108-AA02-DFA0A04FC94B}">
-              <ma14:wrappingTextBoxFlag xmlns="" xmlns:ma14="http://schemas.microsoft.com/office/mac/drawingml/2011/main" val="1"/>
+              <ma14:wrappingTextBoxFlag xmlns:ma14="http://schemas.microsoft.com/office/mac/drawingml/2011/main" xmlns="" val="1"/>
             </a:ext>
           </a:extLst>
         </p:spPr>
@@ -9061,7 +8987,7 @@
           </a:prstGeom>
           <a:extLst>
             <a:ext uri="{C572A759-6A51-4108-AA02-DFA0A04FC94B}">
-              <ma14:wrappingTextBoxFlag xmlns="" xmlns:ma14="http://schemas.microsoft.com/office/mac/drawingml/2011/main" val="1"/>
+              <ma14:wrappingTextBoxFlag xmlns:ma14="http://schemas.microsoft.com/office/mac/drawingml/2011/main" xmlns="" val="1"/>
             </a:ext>
           </a:extLst>
         </p:spPr>
@@ -10066,165 +9992,6 @@
           <a:chExt cx="0" cy="0"/>
         </a:xfrm>
       </p:grpSpPr>
-      <p:pic>
-        <p:nvPicPr>
-          <p:cNvPr id="291" name="pasted-image.png"/>
-          <p:cNvPicPr>
-            <a:picLocks noChangeAspect="1"/>
-          </p:cNvPicPr>
-          <p:nvPr/>
-        </p:nvPicPr>
-        <p:blipFill>
-          <a:blip r:embed="rId2">
-            <a:extLst/>
-          </a:blip>
-          <a:stretch>
-            <a:fillRect/>
-          </a:stretch>
-        </p:blipFill>
-        <p:spPr>
-          <a:xfrm>
-            <a:off x="1306325" y="0"/>
-            <a:ext cx="6750425" cy="5257800"/>
-          </a:xfrm>
-          <a:prstGeom prst="rect">
-            <a:avLst/>
-          </a:prstGeom>
-          <a:ln w="25400"/>
-        </p:spPr>
-      </p:pic>
-    </p:spTree>
-  </p:cSld>
-  <p:clrMapOvr>
-    <a:masterClrMapping/>
-  </p:clrMapOvr>
-  <p:transition spd="slow"/>
-</p:sld>
-</file>
-
-<file path=ppt/slides/slide26.xml><?xml version="1.0" encoding="utf-8"?>
-<p:sld xmlns:a="http://schemas.openxmlformats.org/drawingml/2006/main" xmlns:r="http://schemas.openxmlformats.org/officeDocument/2006/relationships" xmlns:p="http://schemas.openxmlformats.org/presentationml/2006/main">
-  <p:cSld>
-    <p:spTree>
-      <p:nvGrpSpPr>
-        <p:cNvPr id="1" name=""/>
-        <p:cNvGrpSpPr/>
-        <p:nvPr/>
-      </p:nvGrpSpPr>
-      <p:grpSpPr>
-        <a:xfrm>
-          <a:off x="0" y="0"/>
-          <a:ext cx="0" cy="0"/>
-          <a:chOff x="0" y="0"/>
-          <a:chExt cx="0" cy="0"/>
-        </a:xfrm>
-      </p:grpSpPr>
-      <p:pic>
-        <p:nvPicPr>
-          <p:cNvPr id="293" name="pasted-image.png"/>
-          <p:cNvPicPr>
-            <a:picLocks noChangeAspect="1"/>
-          </p:cNvPicPr>
-          <p:nvPr/>
-        </p:nvPicPr>
-        <p:blipFill>
-          <a:blip r:embed="rId2">
-            <a:extLst/>
-          </a:blip>
-          <a:stretch>
-            <a:fillRect/>
-          </a:stretch>
-        </p:blipFill>
-        <p:spPr>
-          <a:xfrm>
-            <a:off x="1522933" y="0"/>
-            <a:ext cx="6317209" cy="5257800"/>
-          </a:xfrm>
-          <a:prstGeom prst="rect">
-            <a:avLst/>
-          </a:prstGeom>
-          <a:ln w="25400"/>
-        </p:spPr>
-      </p:pic>
-    </p:spTree>
-  </p:cSld>
-  <p:clrMapOvr>
-    <a:masterClrMapping/>
-  </p:clrMapOvr>
-  <p:transition spd="slow"/>
-</p:sld>
-</file>
-
-<file path=ppt/slides/slide27.xml><?xml version="1.0" encoding="utf-8"?>
-<p:sld xmlns:a="http://schemas.openxmlformats.org/drawingml/2006/main" xmlns:r="http://schemas.openxmlformats.org/officeDocument/2006/relationships" xmlns:p="http://schemas.openxmlformats.org/presentationml/2006/main">
-  <p:cSld>
-    <p:spTree>
-      <p:nvGrpSpPr>
-        <p:cNvPr id="1" name=""/>
-        <p:cNvGrpSpPr/>
-        <p:nvPr/>
-      </p:nvGrpSpPr>
-      <p:grpSpPr>
-        <a:xfrm>
-          <a:off x="0" y="0"/>
-          <a:ext cx="0" cy="0"/>
-          <a:chOff x="0" y="0"/>
-          <a:chExt cx="0" cy="0"/>
-        </a:xfrm>
-      </p:grpSpPr>
-      <p:pic>
-        <p:nvPicPr>
-          <p:cNvPr id="295" name="pasted-image.png"/>
-          <p:cNvPicPr>
-            <a:picLocks noChangeAspect="1"/>
-          </p:cNvPicPr>
-          <p:nvPr/>
-        </p:nvPicPr>
-        <p:blipFill>
-          <a:blip r:embed="rId2">
-            <a:extLst/>
-          </a:blip>
-          <a:stretch>
-            <a:fillRect/>
-          </a:stretch>
-        </p:blipFill>
-        <p:spPr>
-          <a:xfrm>
-            <a:off x="0" y="1560386"/>
-            <a:ext cx="9363075" cy="2137028"/>
-          </a:xfrm>
-          <a:prstGeom prst="rect">
-            <a:avLst/>
-          </a:prstGeom>
-          <a:ln w="25400"/>
-        </p:spPr>
-      </p:pic>
-    </p:spTree>
-  </p:cSld>
-  <p:clrMapOvr>
-    <a:masterClrMapping/>
-  </p:clrMapOvr>
-  <p:transition spd="slow"/>
-</p:sld>
-</file>
-
-<file path=ppt/slides/slide28.xml><?xml version="1.0" encoding="utf-8"?>
-<p:sld xmlns:a="http://schemas.openxmlformats.org/drawingml/2006/main" xmlns:r="http://schemas.openxmlformats.org/officeDocument/2006/relationships" xmlns:p="http://schemas.openxmlformats.org/presentationml/2006/main">
-  <p:cSld>
-    <p:spTree>
-      <p:nvGrpSpPr>
-        <p:cNvPr id="1" name=""/>
-        <p:cNvGrpSpPr/>
-        <p:nvPr/>
-      </p:nvGrpSpPr>
-      <p:grpSpPr>
-        <a:xfrm>
-          <a:off x="0" y="0"/>
-          <a:ext cx="0" cy="0"/>
-          <a:chOff x="0" y="0"/>
-          <a:chExt cx="0" cy="0"/>
-        </a:xfrm>
-      </p:grpSpPr>
       <p:sp>
         <p:nvSpPr>
           <p:cNvPr id="284" name="Shape 284"/>
@@ -10347,6 +10114,21 @@
             <a:br>
               <a:rPr lang="en-US" sz="1800" dirty="0"/>
             </a:br>
+            <a:r>
+              <a:rPr lang="en-US" sz="1800" dirty="0" err="1"/>
+              <a:t>Git</a:t>
+            </a:r>
+            <a:r>
+              <a:rPr lang="en-US" sz="1800" dirty="0"/>
+              <a:t> cheat sheet (</a:t>
+            </a:r>
+            <a:r>
+              <a:rPr lang="en-US" sz="1800"/>
+              <a:t>in resources/week1)</a:t>
+            </a:r>
+            <a:br>
+              <a:rPr lang="en-US" sz="1800" dirty="0"/>
+            </a:br>
             <a:br>
               <a:rPr lang="en-AU" sz="1800" dirty="0"/>
             </a:br>
@@ -10373,7 +10155,7 @@
           </a:ln>
           <a:extLst>
             <a:ext uri="{C572A759-6A51-4108-AA02-DFA0A04FC94B}">
-              <ma14:wrappingTextBoxFlag xmlns="" xmlns:ma14="http://schemas.microsoft.com/office/mac/drawingml/2011/main" val="1"/>
+              <ma14:wrappingTextBoxFlag xmlns:ma14="http://schemas.microsoft.com/office/mac/drawingml/2011/main" xmlns="" val="1"/>
             </a:ext>
           </a:extLst>
         </p:spPr>
@@ -10641,7 +10423,7 @@
           </a:prstGeom>
           <a:extLst>
             <a:ext uri="{C572A759-6A51-4108-AA02-DFA0A04FC94B}">
-              <ma14:wrappingTextBoxFlag xmlns="" xmlns:ma14="http://schemas.microsoft.com/office/mac/drawingml/2011/main" val="1"/>
+              <ma14:wrappingTextBoxFlag xmlns:ma14="http://schemas.microsoft.com/office/mac/drawingml/2011/main" xmlns="" val="1"/>
             </a:ext>
           </a:extLst>
         </p:spPr>
@@ -10966,7 +10748,7 @@
           </a:prstGeom>
           <a:extLst>
             <a:ext uri="{C572A759-6A51-4108-AA02-DFA0A04FC94B}">
-              <ma14:wrappingTextBoxFlag xmlns="" xmlns:ma14="http://schemas.microsoft.com/office/mac/drawingml/2011/main" val="1"/>
+              <ma14:wrappingTextBoxFlag xmlns:ma14="http://schemas.microsoft.com/office/mac/drawingml/2011/main" xmlns="" val="1"/>
             </a:ext>
           </a:extLst>
         </p:spPr>
@@ -11310,7 +11092,7 @@
           </a:prstGeom>
           <a:extLst>
             <a:ext uri="{C572A759-6A51-4108-AA02-DFA0A04FC94B}">
-              <ma14:wrappingTextBoxFlag xmlns="" xmlns:ma14="http://schemas.microsoft.com/office/mac/drawingml/2011/main" val="1"/>
+              <ma14:wrappingTextBoxFlag xmlns:ma14="http://schemas.microsoft.com/office/mac/drawingml/2011/main" xmlns="" val="1"/>
             </a:ext>
           </a:extLst>
         </p:spPr>
@@ -11896,7 +11678,7 @@
           </a:prstGeom>
           <a:extLst>
             <a:ext uri="{C572A759-6A51-4108-AA02-DFA0A04FC94B}">
-              <ma14:wrappingTextBoxFlag xmlns="" xmlns:ma14="http://schemas.microsoft.com/office/mac/drawingml/2011/main" val="1"/>
+              <ma14:wrappingTextBoxFlag xmlns:ma14="http://schemas.microsoft.com/office/mac/drawingml/2011/main" xmlns="" val="1"/>
             </a:ext>
           </a:extLst>
         </p:spPr>
@@ -12283,7 +12065,7 @@
           </a:prstGeom>
           <a:extLst>
             <a:ext uri="{C572A759-6A51-4108-AA02-DFA0A04FC94B}">
-              <ma14:wrappingTextBoxFlag xmlns="" xmlns:ma14="http://schemas.microsoft.com/office/mac/drawingml/2011/main" val="1"/>
+              <ma14:wrappingTextBoxFlag xmlns:ma14="http://schemas.microsoft.com/office/mac/drawingml/2011/main" xmlns="" val="1"/>
             </a:ext>
           </a:extLst>
         </p:spPr>
@@ -12583,7 +12365,7 @@
           </a:prstGeom>
           <a:extLst>
             <a:ext uri="{C572A759-6A51-4108-AA02-DFA0A04FC94B}">
-              <ma14:wrappingTextBoxFlag xmlns="" xmlns:ma14="http://schemas.microsoft.com/office/mac/drawingml/2011/main" val="1"/>
+              <ma14:wrappingTextBoxFlag xmlns:ma14="http://schemas.microsoft.com/office/mac/drawingml/2011/main" xmlns="" val="1"/>
             </a:ext>
           </a:extLst>
         </p:spPr>
@@ -12885,7 +12667,7 @@
           </a:prstGeom>
           <a:extLst>
             <a:ext uri="{C572A759-6A51-4108-AA02-DFA0A04FC94B}">
-              <ma14:wrappingTextBoxFlag xmlns="" xmlns:ma14="http://schemas.microsoft.com/office/mac/drawingml/2011/main" val="1"/>
+              <ma14:wrappingTextBoxFlag xmlns:ma14="http://schemas.microsoft.com/office/mac/drawingml/2011/main" xmlns="" val="1"/>
             </a:ext>
           </a:extLst>
         </p:spPr>
